--- a/apresentacao_modificada.pptx
+++ b/apresentacao_modificada.pptx
@@ -218,7 +218,7 @@
           <a:p>
             <a:fld id="{A157960C-F65F-4E98-A01F-114F14A55331}" type="datetimeFigureOut">
               <a:rPr lang="pt-BR" smtClean="0"/>
-              <a:t>18/02/2025</a:t>
+              <a:t>19/02/2025</a:t>
             </a:fld>
             <a:endParaRPr lang="pt-BR"/>
           </a:p>
@@ -748,7 +748,7 @@
           <a:p>
             <a:fld id="{5BCAD085-E8A6-8845-BD4E-CB4CCA059FC4}" type="datetimeFigureOut">
               <a:rPr lang="en-US" smtClean="0"/>
-              <a:t>2/18/2025</a:t>
+              <a:t>2/19/2025</a:t>
             </a:fld>
             <a:endParaRPr lang="en-US"/>
           </a:p>
@@ -969,7 +969,7 @@
           <a:p>
             <a:fld id="{5BCAD085-E8A6-8845-BD4E-CB4CCA059FC4}" type="datetimeFigureOut">
               <a:rPr lang="en-US" smtClean="0"/>
-              <a:t>2/18/2025</a:t>
+              <a:t>2/19/2025</a:t>
             </a:fld>
             <a:endParaRPr lang="en-US"/>
           </a:p>
@@ -1147,7 +1147,7 @@
           <a:p>
             <a:fld id="{5BCAD085-E8A6-8845-BD4E-CB4CCA059FC4}" type="datetimeFigureOut">
               <a:rPr lang="en-US" smtClean="0"/>
-              <a:t>2/18/2025</a:t>
+              <a:t>2/19/2025</a:t>
             </a:fld>
             <a:endParaRPr lang="en-US"/>
           </a:p>
@@ -1315,7 +1315,7 @@
           <a:p>
             <a:fld id="{5BCAD085-E8A6-8845-BD4E-CB4CCA059FC4}" type="datetimeFigureOut">
               <a:rPr lang="en-US" smtClean="0"/>
-              <a:t>2/18/2025</a:t>
+              <a:t>2/19/2025</a:t>
             </a:fld>
             <a:endParaRPr lang="en-US"/>
           </a:p>
@@ -1560,7 +1560,7 @@
           <a:p>
             <a:fld id="{5BCAD085-E8A6-8845-BD4E-CB4CCA059FC4}" type="datetimeFigureOut">
               <a:rPr lang="en-US" smtClean="0"/>
-              <a:t>2/18/2025</a:t>
+              <a:t>2/19/2025</a:t>
             </a:fld>
             <a:endParaRPr lang="en-US"/>
           </a:p>
@@ -1845,7 +1845,7 @@
           <a:p>
             <a:fld id="{5BCAD085-E8A6-8845-BD4E-CB4CCA059FC4}" type="datetimeFigureOut">
               <a:rPr lang="en-US" smtClean="0"/>
-              <a:t>2/18/2025</a:t>
+              <a:t>2/19/2025</a:t>
             </a:fld>
             <a:endParaRPr lang="en-US"/>
           </a:p>
@@ -2264,7 +2264,7 @@
           <a:p>
             <a:fld id="{5BCAD085-E8A6-8845-BD4E-CB4CCA059FC4}" type="datetimeFigureOut">
               <a:rPr lang="en-US" smtClean="0"/>
-              <a:t>2/18/2025</a:t>
+              <a:t>2/19/2025</a:t>
             </a:fld>
             <a:endParaRPr lang="en-US"/>
           </a:p>
@@ -2381,7 +2381,7 @@
           <a:p>
             <a:fld id="{5BCAD085-E8A6-8845-BD4E-CB4CCA059FC4}" type="datetimeFigureOut">
               <a:rPr lang="en-US" smtClean="0"/>
-              <a:t>2/18/2025</a:t>
+              <a:t>2/19/2025</a:t>
             </a:fld>
             <a:endParaRPr lang="en-US"/>
           </a:p>
@@ -2476,7 +2476,7 @@
           <a:p>
             <a:fld id="{5BCAD085-E8A6-8845-BD4E-CB4CCA059FC4}" type="datetimeFigureOut">
               <a:rPr lang="en-US" smtClean="0"/>
-              <a:t>2/18/2025</a:t>
+              <a:t>2/19/2025</a:t>
             </a:fld>
             <a:endParaRPr lang="en-US"/>
           </a:p>
@@ -2751,7 +2751,7 @@
           <a:p>
             <a:fld id="{5BCAD085-E8A6-8845-BD4E-CB4CCA059FC4}" type="datetimeFigureOut">
               <a:rPr lang="en-US" smtClean="0"/>
-              <a:t>2/18/2025</a:t>
+              <a:t>2/19/2025</a:t>
             </a:fld>
             <a:endParaRPr lang="en-US"/>
           </a:p>
@@ -3003,7 +3003,7 @@
           <a:p>
             <a:fld id="{5BCAD085-E8A6-8845-BD4E-CB4CCA059FC4}" type="datetimeFigureOut">
               <a:rPr lang="en-US" smtClean="0"/>
-              <a:t>2/18/2025</a:t>
+              <a:t>2/19/2025</a:t>
             </a:fld>
             <a:endParaRPr lang="en-US"/>
           </a:p>
@@ -3214,7 +3214,7 @@
           <a:p>
             <a:fld id="{5BCAD085-E8A6-8845-BD4E-CB4CCA059FC4}" type="datetimeFigureOut">
               <a:rPr lang="en-US" smtClean="0"/>
-              <a:t>2/18/2025</a:t>
+              <a:t>2/19/2025</a:t>
             </a:fld>
             <a:endParaRPr lang="en-US"/>
           </a:p>
@@ -4306,8 +4306,10 @@
           <a:p>
             <a:r>
               <a:rPr sz="1400"/>
-              <a:t>Lorem ipsum dolor sit amet, consectetur adipiscing elit, sed do eiusmod tempor incididunt ut labore et dolore magna aliqua. Ut enim ad minim veniam, quis nostrud exercitation ullamco laboris nisi ut aliquip ex ea commodo consequat. Duis aute irure dolor in reprehenderit in voluptate velit esse cillum dolore eu fugiat nulla pariatur. Excepteur sint occaecat cupidatat non proident, sunt in culpa qui officia deserunt mollit anim id est laborum.</a:t>
-            </a:r>
+              <a:t>Em "A Ordem da Fênix", Harry retorna a Hogwarts e enfrenta um Ministério da Magia que nega o retorno de Voldemort. Uma professora imposta pelo Ministério, Dolores Umbridge, torna a vida de Harry um inferno. Ele forma a Armada de Dumbledore para se defender e lutar contra as trevas que se aproximam. O livro culmina em uma batalha no Ministério, onde Harry perde Sirius Black.</a:t>
+            </a:r>
+            <a:br/>
+            <a:endParaRPr/>
           </a:p>
         </p:txBody>
       </p:sp>
@@ -4383,7 +4385,7 @@
         </p:nvSpPr>
         <p:spPr>
           <a:xfrm>
-            <a:off x="1387257" y="6532739"/>
+            <a:off x="1387257" y="6592907"/>
             <a:ext cx="5016138" cy="307777"/>
           </a:xfrm>
           <a:prstGeom prst="rect">
@@ -4398,9 +4400,229 @@
           <a:lstStyle/>
           <a:p>
             <a:r>
-              <a:rPr sz="1400"/>
-              <a:t>Lorem ipsum dolor sit amet, consectetur adipiscing elit, sed do eiusmod tempor incididunt ut labore et dolore magna aliqua. Ut enim ad minim veniam, quis nostrud exercitation ullamco laboris nisi ut aliquip ex ea commodo consequat. Duis aute irure dolor in reprehenderit in voluptate velit esse cillum dolore eu fugiat nulla pariatur. Excepteur sint occaecat cupidatat non proident, sunt in culpa qui officia deserunt mollit anim id est laborum.</a:t>
-            </a:r>
+              <a:rPr sz="1400" dirty="0"/>
+              <a:t>Em Salvador, um </a:t>
+            </a:r>
+            <a:r>
+              <a:rPr sz="1400" dirty="0" err="1"/>
+              <a:t>grupo</a:t>
+            </a:r>
+            <a:r>
+              <a:rPr sz="1400" dirty="0"/>
+              <a:t> de </a:t>
+            </a:r>
+            <a:r>
+              <a:rPr sz="1400" dirty="0" err="1"/>
+              <a:t>menores</a:t>
+            </a:r>
+            <a:r>
+              <a:rPr sz="1400" dirty="0"/>
+              <a:t> </a:t>
+            </a:r>
+            <a:r>
+              <a:rPr sz="1400" dirty="0" err="1"/>
+              <a:t>abandonados</a:t>
+            </a:r>
+            <a:r>
+              <a:rPr sz="1400" dirty="0"/>
+              <a:t> </a:t>
+            </a:r>
+            <a:r>
+              <a:rPr sz="1400" dirty="0" err="1"/>
+              <a:t>luta</a:t>
+            </a:r>
+            <a:r>
+              <a:rPr sz="1400" dirty="0"/>
+              <a:t> para </a:t>
+            </a:r>
+            <a:r>
+              <a:rPr sz="1400" dirty="0" err="1"/>
+              <a:t>sobreviver</a:t>
+            </a:r>
+            <a:r>
+              <a:rPr sz="1400" dirty="0"/>
+              <a:t>. </a:t>
+            </a:r>
+            <a:r>
+              <a:rPr sz="1400" dirty="0" err="1"/>
+              <a:t>Liderados</a:t>
+            </a:r>
+            <a:r>
+              <a:rPr sz="1400" dirty="0"/>
+              <a:t> </a:t>
+            </a:r>
+            <a:r>
+              <a:rPr sz="1400" dirty="0" err="1"/>
+              <a:t>por</a:t>
+            </a:r>
+            <a:r>
+              <a:rPr sz="1400" dirty="0"/>
+              <a:t> Pedro Bala, </a:t>
+            </a:r>
+            <a:r>
+              <a:rPr sz="1400" dirty="0" err="1"/>
+              <a:t>os</a:t>
+            </a:r>
+            <a:r>
+              <a:rPr sz="1400" dirty="0"/>
+              <a:t> "</a:t>
+            </a:r>
+            <a:r>
+              <a:rPr sz="1400" dirty="0" err="1"/>
+              <a:t>Capitães</a:t>
+            </a:r>
+            <a:r>
+              <a:rPr sz="1400" dirty="0"/>
+              <a:t> da </a:t>
+            </a:r>
+            <a:r>
+              <a:rPr sz="1400" dirty="0" err="1"/>
+              <a:t>Areia</a:t>
+            </a:r>
+            <a:r>
+              <a:rPr sz="1400" dirty="0"/>
+              <a:t>" </a:t>
+            </a:r>
+            <a:r>
+              <a:rPr sz="1400" dirty="0" err="1"/>
+              <a:t>roubam</a:t>
+            </a:r>
+            <a:r>
+              <a:rPr sz="1400" dirty="0"/>
+              <a:t> e </a:t>
+            </a:r>
+            <a:r>
+              <a:rPr sz="1400" dirty="0" err="1"/>
+              <a:t>vivem</a:t>
+            </a:r>
+            <a:r>
+              <a:rPr sz="1400" dirty="0"/>
+              <a:t> </a:t>
+            </a:r>
+            <a:r>
+              <a:rPr sz="1400" dirty="0" err="1"/>
+              <a:t>em</a:t>
+            </a:r>
+            <a:r>
+              <a:rPr sz="1400" dirty="0"/>
+              <a:t> um trapiche. A </a:t>
+            </a:r>
+            <a:r>
+              <a:rPr sz="1400" dirty="0" err="1"/>
+              <a:t>amizade</a:t>
+            </a:r>
+            <a:r>
+              <a:rPr sz="1400" dirty="0"/>
+              <a:t>, a </a:t>
+            </a:r>
+            <a:r>
+              <a:rPr sz="1400" dirty="0" err="1"/>
+              <a:t>fome</a:t>
+            </a:r>
+            <a:r>
+              <a:rPr sz="1400" dirty="0"/>
+              <a:t> e a </a:t>
+            </a:r>
+            <a:r>
+              <a:rPr sz="1400" dirty="0" err="1"/>
+              <a:t>busca</a:t>
+            </a:r>
+            <a:r>
+              <a:rPr sz="1400" dirty="0"/>
+              <a:t> </a:t>
+            </a:r>
+            <a:r>
+              <a:rPr sz="1400" dirty="0" err="1"/>
+              <a:t>por</a:t>
+            </a:r>
+            <a:r>
+              <a:rPr sz="1400" dirty="0"/>
+              <a:t> um lar </a:t>
+            </a:r>
+            <a:r>
+              <a:rPr sz="1400" dirty="0" err="1"/>
+              <a:t>marcam</a:t>
+            </a:r>
+            <a:r>
+              <a:rPr sz="1400" dirty="0"/>
+              <a:t> a dura </a:t>
+            </a:r>
+            <a:r>
+              <a:rPr sz="1400" dirty="0" err="1"/>
+              <a:t>realidade</a:t>
+            </a:r>
+            <a:r>
+              <a:rPr sz="1400" dirty="0"/>
+              <a:t> </a:t>
+            </a:r>
+            <a:r>
+              <a:rPr sz="1400" dirty="0" err="1"/>
+              <a:t>desses</a:t>
+            </a:r>
+            <a:r>
+              <a:rPr sz="1400" dirty="0"/>
+              <a:t> </a:t>
+            </a:r>
+            <a:r>
+              <a:rPr sz="1400" dirty="0" err="1"/>
+              <a:t>jovens</a:t>
+            </a:r>
+            <a:r>
+              <a:rPr sz="1400" dirty="0"/>
+              <a:t>, que </a:t>
+            </a:r>
+            <a:r>
+              <a:rPr sz="1400" dirty="0" err="1"/>
+              <a:t>encontram</a:t>
+            </a:r>
+            <a:r>
+              <a:rPr sz="1400" dirty="0"/>
+              <a:t> </a:t>
+            </a:r>
+            <a:r>
+              <a:rPr sz="1400" dirty="0" err="1"/>
+              <a:t>na</a:t>
+            </a:r>
+            <a:r>
+              <a:rPr sz="1400" dirty="0"/>
+              <a:t> </a:t>
+            </a:r>
+            <a:r>
+              <a:rPr sz="1400" dirty="0" err="1"/>
+              <a:t>marginalidade</a:t>
+            </a:r>
+            <a:r>
+              <a:rPr sz="1400" dirty="0"/>
+              <a:t> </a:t>
+            </a:r>
+            <a:r>
+              <a:rPr sz="1400" dirty="0" err="1"/>
+              <a:t>sua</a:t>
+            </a:r>
+            <a:r>
+              <a:rPr sz="1400" dirty="0"/>
+              <a:t> </a:t>
+            </a:r>
+            <a:r>
+              <a:rPr sz="1400" dirty="0" err="1"/>
+              <a:t>própria</a:t>
+            </a:r>
+            <a:r>
+              <a:rPr sz="1400" dirty="0"/>
+              <a:t> </a:t>
+            </a:r>
+            <a:r>
+              <a:rPr sz="1400" dirty="0" err="1"/>
+              <a:t>família</a:t>
+            </a:r>
+            <a:r>
+              <a:rPr sz="1400" dirty="0"/>
+              <a:t>.</a:t>
+            </a:r>
+            <a:br>
+              <a:rPr dirty="0"/>
+            </a:br>
+            <a:endParaRPr dirty="0"/>
           </a:p>
         </p:txBody>
       </p:sp>
@@ -4492,8 +4714,10 @@
           <a:p>
             <a:r>
               <a:rPr sz="1400"/>
-              <a:t>Lorem ipsum dolor sit amet, consectetur adipiscing elit, sed do eiusmod tempor incididunt ut labore et dolore magna aliqua. Ut enim ad minim veniam, quis nostrud exercitation ullamco laboris nisi ut aliquip ex ea commodo consequat. Duis aute irure dolor in reprehenderit in voluptate velit esse cillum dolore eu fugiat nulla pariatur. Excepteur sint occaecat cupidatat non proident, sunt in culpa qui officia deserunt mollit anim id est laborum.</a:t>
-            </a:r>
+              <a:t>Em "A Moreninha", Augusto, um conquistador, aposta que se apaixonará e se casará com a primeira mulher que encontrar na ilha de Paquetá. Lá, conhece Carolina, a "moreninha", e um jogo de sedução e provocações se inicia. Apesar das diferenças e desconfianças, o amor floresce em meio a paisagens exuberantes e personagens cativantes.</a:t>
+            </a:r>
+            <a:br/>
+            <a:endParaRPr/>
           </a:p>
         </p:txBody>
       </p:sp>
@@ -4624,7 +4848,31 @@
       </p:sp>
       <p:pic>
         <p:nvPicPr>
-          <p:cNvPr id="2051" name="Picture 2050" descr="conexão com DB.png"/>
+          <p:cNvPr id="2051" name="Picture 2050" descr="imagem_1.jpg"/>
+          <p:cNvPicPr>
+            <a:picLocks noChangeAspect="1"/>
+          </p:cNvPicPr>
+          <p:nvPr/>
+        </p:nvPicPr>
+        <p:blipFill>
+          <a:blip r:embed="rId4"/>
+          <a:stretch>
+            <a:fillRect/>
+          </a:stretch>
+        </p:blipFill>
+        <p:spPr>
+          <a:xfrm>
+            <a:off x="1264243" y="3752850"/>
+            <a:ext cx="1205470" cy="2205032"/>
+          </a:xfrm>
+          <a:prstGeom prst="rect">
+            <a:avLst/>
+          </a:prstGeom>
+        </p:spPr>
+      </p:pic>
+      <p:pic>
+        <p:nvPicPr>
+          <p:cNvPr id="2052" name="Picture 2051" descr="imagem_2.jpg"/>
           <p:cNvPicPr>
             <a:picLocks noChangeAspect="1"/>
           </p:cNvPicPr>
@@ -4638,8 +4886,8 @@
         </p:blipFill>
         <p:spPr>
           <a:xfrm>
-            <a:off x="1371601" y="3752850"/>
-            <a:ext cx="1098112" cy="2205032"/>
+            <a:off x="6655389" y="6044559"/>
+            <a:ext cx="1224368" cy="2205032"/>
           </a:xfrm>
           <a:prstGeom prst="rect">
             <a:avLst/>
@@ -4648,7 +4896,7 @@
       </p:pic>
       <p:pic>
         <p:nvPicPr>
-          <p:cNvPr id="2052" name="Picture 2051" descr="conexão DB com looker studio.png"/>
+          <p:cNvPr id="2053" name="Picture 2052" descr="imagem_3.jpg"/>
           <p:cNvPicPr>
             <a:picLocks noChangeAspect="1"/>
           </p:cNvPicPr>
@@ -4662,32 +4910,8 @@
         </p:blipFill>
         <p:spPr>
           <a:xfrm>
-            <a:off x="6655389" y="6044559"/>
-            <a:ext cx="1098112" cy="2205032"/>
-          </a:xfrm>
-          <a:prstGeom prst="rect">
-            <a:avLst/>
-          </a:prstGeom>
-        </p:spPr>
-      </p:pic>
-      <p:pic>
-        <p:nvPicPr>
-          <p:cNvPr id="2053" name="Picture 2052" descr="contabilidade geral.png"/>
-          <p:cNvPicPr>
-            <a:picLocks noChangeAspect="1"/>
-          </p:cNvPicPr>
-          <p:nvPr/>
-        </p:nvPicPr>
-        <p:blipFill>
-          <a:blip r:embed="rId7"/>
-          <a:stretch>
-            <a:fillRect/>
-          </a:stretch>
-        </p:blipFill>
-        <p:spPr>
-          <a:xfrm>
-            <a:off x="1292296" y="8421118"/>
-            <a:ext cx="1098112" cy="2205032"/>
+            <a:off x="1229463" y="8421118"/>
+            <a:ext cx="1160945" cy="2205032"/>
           </a:xfrm>
           <a:prstGeom prst="rect">
             <a:avLst/>
